--- a/attention-is-all-you-need/img.pptx
+++ b/attention-is-all-you-need/img.pptx
@@ -2,12 +2,13 @@
 <file path=ppt/presentation.xml><?xml version="1.0" encoding="utf-8"?>
 <p:presentation xmlns:a="http://schemas.openxmlformats.org/drawingml/2006/main" xmlns:r="http://schemas.openxmlformats.org/officeDocument/2006/relationships" xmlns:p="http://schemas.openxmlformats.org/presentationml/2006/main" saveSubsetFonts="1">
   <p:sldMasterIdLst>
-    <p:sldMasterId id="2147483648" r:id="rId1"/>
+    <p:sldMasterId id="2147483660" r:id="rId1"/>
   </p:sldMasterIdLst>
   <p:sldIdLst>
     <p:sldId id="256" r:id="rId2"/>
+    <p:sldId id="257" r:id="rId3"/>
   </p:sldIdLst>
-  <p:sldSz cx="12192000" cy="6858000"/>
+  <p:sldSz cx="21599525" cy="6858000"/>
   <p:notesSz cx="6858000" cy="9144000"/>
   <p:defaultTextStyle>
     <a:defPPr>
@@ -131,7 +132,7 @@
       </p:grpSpPr>
       <p:sp>
         <p:nvSpPr>
-          <p:cNvPr id="2" name="標題 1"/>
+          <p:cNvPr id="2" name="Title 1"/>
           <p:cNvSpPr>
             <a:spLocks noGrp="1"/>
           </p:cNvSpPr>
@@ -141,8 +142,8 @@
         </p:nvSpPr>
         <p:spPr>
           <a:xfrm>
-            <a:off x="1524000" y="1122363"/>
-            <a:ext cx="9144000" cy="2387600"/>
+            <a:off x="2699941" y="1122363"/>
+            <a:ext cx="16199644" cy="2387600"/>
           </a:xfrm>
         </p:spPr>
         <p:txBody>
@@ -157,13 +158,13 @@
               <a:rPr lang="zh-TW" altLang="en-US" smtClean="0"/>
               <a:t>按一下以編輯母片標題樣式</a:t>
             </a:r>
-            <a:endParaRPr lang="zh-TW" altLang="en-US"/>
-          </a:p>
-        </p:txBody>
-      </p:sp>
-      <p:sp>
-        <p:nvSpPr>
-          <p:cNvPr id="3" name="副標題 2"/>
+            <a:endParaRPr lang="en-US" dirty="0"/>
+          </a:p>
+        </p:txBody>
+      </p:sp>
+      <p:sp>
+        <p:nvSpPr>
+          <p:cNvPr id="3" name="Subtitle 2"/>
           <p:cNvSpPr>
             <a:spLocks noGrp="1"/>
           </p:cNvSpPr>
@@ -173,8 +174,8 @@
         </p:nvSpPr>
         <p:spPr>
           <a:xfrm>
-            <a:off x="1524000" y="3602038"/>
-            <a:ext cx="9144000" cy="1655762"/>
+            <a:off x="2699941" y="3602038"/>
+            <a:ext cx="16199644" cy="1655762"/>
           </a:xfrm>
         </p:spPr>
         <p:txBody>
@@ -222,13 +223,13 @@
               <a:rPr lang="zh-TW" altLang="en-US" smtClean="0"/>
               <a:t>按一下以編輯母片副標題樣式</a:t>
             </a:r>
-            <a:endParaRPr lang="zh-TW" altLang="en-US"/>
-          </a:p>
-        </p:txBody>
-      </p:sp>
-      <p:sp>
-        <p:nvSpPr>
-          <p:cNvPr id="4" name="日期版面配置區 3"/>
+            <a:endParaRPr lang="en-US" dirty="0"/>
+          </a:p>
+        </p:txBody>
+      </p:sp>
+      <p:sp>
+        <p:nvSpPr>
+          <p:cNvPr id="4" name="Date Placeholder 3"/>
           <p:cNvSpPr>
             <a:spLocks noGrp="1"/>
           </p:cNvSpPr>
@@ -251,7 +252,7 @@
       </p:sp>
       <p:sp>
         <p:nvSpPr>
-          <p:cNvPr id="5" name="頁尾版面配置區 4"/>
+          <p:cNvPr id="5" name="Footer Placeholder 4"/>
           <p:cNvSpPr>
             <a:spLocks noGrp="1"/>
           </p:cNvSpPr>
@@ -270,7 +271,7 @@
       </p:sp>
       <p:sp>
         <p:nvSpPr>
-          <p:cNvPr id="6" name="投影片編號版面配置區 5"/>
+          <p:cNvPr id="6" name="Slide Number Placeholder 5"/>
           <p:cNvSpPr>
             <a:spLocks noGrp="1"/>
           </p:cNvSpPr>
@@ -294,7 +295,7 @@
     </p:spTree>
     <p:extLst>
       <p:ext uri="{BB962C8B-B14F-4D97-AF65-F5344CB8AC3E}">
-        <p14:creationId xmlns:p14="http://schemas.microsoft.com/office/powerpoint/2010/main" val="640878354"/>
+        <p14:creationId xmlns:p14="http://schemas.microsoft.com/office/powerpoint/2010/main" val="682943019"/>
       </p:ext>
     </p:extLst>
   </p:cSld>
@@ -323,7 +324,7 @@
       </p:grpSpPr>
       <p:sp>
         <p:nvSpPr>
-          <p:cNvPr id="2" name="標題 1"/>
+          <p:cNvPr id="2" name="Title 1"/>
           <p:cNvSpPr>
             <a:spLocks noGrp="1"/>
           </p:cNvSpPr>
@@ -340,13 +341,13 @@
               <a:rPr lang="zh-TW" altLang="en-US" smtClean="0"/>
               <a:t>按一下以編輯母片標題樣式</a:t>
             </a:r>
-            <a:endParaRPr lang="zh-TW" altLang="en-US"/>
-          </a:p>
-        </p:txBody>
-      </p:sp>
-      <p:sp>
-        <p:nvSpPr>
-          <p:cNvPr id="3" name="直排文字版面配置區 2"/>
+            <a:endParaRPr lang="en-US" dirty="0"/>
+          </a:p>
+        </p:txBody>
+      </p:sp>
+      <p:sp>
+        <p:nvSpPr>
+          <p:cNvPr id="3" name="Vertical Text Placeholder 2"/>
           <p:cNvSpPr>
             <a:spLocks noGrp="1"/>
           </p:cNvSpPr>
@@ -392,13 +393,13 @@
               <a:rPr lang="zh-TW" altLang="en-US" smtClean="0"/>
               <a:t>第五層</a:t>
             </a:r>
-            <a:endParaRPr lang="zh-TW" altLang="en-US"/>
-          </a:p>
-        </p:txBody>
-      </p:sp>
-      <p:sp>
-        <p:nvSpPr>
-          <p:cNvPr id="4" name="日期版面配置區 3"/>
+            <a:endParaRPr lang="en-US" dirty="0"/>
+          </a:p>
+        </p:txBody>
+      </p:sp>
+      <p:sp>
+        <p:nvSpPr>
+          <p:cNvPr id="4" name="Date Placeholder 3"/>
           <p:cNvSpPr>
             <a:spLocks noGrp="1"/>
           </p:cNvSpPr>
@@ -421,7 +422,7 @@
       </p:sp>
       <p:sp>
         <p:nvSpPr>
-          <p:cNvPr id="5" name="頁尾版面配置區 4"/>
+          <p:cNvPr id="5" name="Footer Placeholder 4"/>
           <p:cNvSpPr>
             <a:spLocks noGrp="1"/>
           </p:cNvSpPr>
@@ -440,7 +441,7 @@
       </p:sp>
       <p:sp>
         <p:nvSpPr>
-          <p:cNvPr id="6" name="投影片編號版面配置區 5"/>
+          <p:cNvPr id="6" name="Slide Number Placeholder 5"/>
           <p:cNvSpPr>
             <a:spLocks noGrp="1"/>
           </p:cNvSpPr>
@@ -464,7 +465,7 @@
     </p:spTree>
     <p:extLst>
       <p:ext uri="{BB962C8B-B14F-4D97-AF65-F5344CB8AC3E}">
-        <p14:creationId xmlns:p14="http://schemas.microsoft.com/office/powerpoint/2010/main" val="1882997097"/>
+        <p14:creationId xmlns:p14="http://schemas.microsoft.com/office/powerpoint/2010/main" val="3262584060"/>
       </p:ext>
     </p:extLst>
   </p:cSld>
@@ -493,7 +494,7 @@
       </p:grpSpPr>
       <p:sp>
         <p:nvSpPr>
-          <p:cNvPr id="2" name="直排標題 1"/>
+          <p:cNvPr id="2" name="Vertical Title 1"/>
           <p:cNvSpPr>
             <a:spLocks noGrp="1"/>
           </p:cNvSpPr>
@@ -503,8 +504,8 @@
         </p:nvSpPr>
         <p:spPr>
           <a:xfrm>
-            <a:off x="8724900" y="365125"/>
-            <a:ext cx="2628900" cy="5811838"/>
+            <a:off x="15457160" y="365125"/>
+            <a:ext cx="4657398" cy="5811838"/>
           </a:xfrm>
         </p:spPr>
         <p:txBody>
@@ -515,13 +516,13 @@
               <a:rPr lang="zh-TW" altLang="en-US" smtClean="0"/>
               <a:t>按一下以編輯母片標題樣式</a:t>
             </a:r>
-            <a:endParaRPr lang="zh-TW" altLang="en-US"/>
-          </a:p>
-        </p:txBody>
-      </p:sp>
-      <p:sp>
-        <p:nvSpPr>
-          <p:cNvPr id="3" name="直排文字版面配置區 2"/>
+            <a:endParaRPr lang="en-US" dirty="0"/>
+          </a:p>
+        </p:txBody>
+      </p:sp>
+      <p:sp>
+        <p:nvSpPr>
+          <p:cNvPr id="3" name="Vertical Text Placeholder 2"/>
           <p:cNvSpPr>
             <a:spLocks noGrp="1"/>
           </p:cNvSpPr>
@@ -531,8 +532,8 @@
         </p:nvSpPr>
         <p:spPr>
           <a:xfrm>
-            <a:off x="838200" y="365125"/>
-            <a:ext cx="7734300" cy="5811838"/>
+            <a:off x="1484967" y="365125"/>
+            <a:ext cx="13702199" cy="5811838"/>
           </a:xfrm>
         </p:spPr>
         <p:txBody>
@@ -572,13 +573,13 @@
               <a:rPr lang="zh-TW" altLang="en-US" smtClean="0"/>
               <a:t>第五層</a:t>
             </a:r>
-            <a:endParaRPr lang="zh-TW" altLang="en-US"/>
-          </a:p>
-        </p:txBody>
-      </p:sp>
-      <p:sp>
-        <p:nvSpPr>
-          <p:cNvPr id="4" name="日期版面配置區 3"/>
+            <a:endParaRPr lang="en-US" dirty="0"/>
+          </a:p>
+        </p:txBody>
+      </p:sp>
+      <p:sp>
+        <p:nvSpPr>
+          <p:cNvPr id="4" name="Date Placeholder 3"/>
           <p:cNvSpPr>
             <a:spLocks noGrp="1"/>
           </p:cNvSpPr>
@@ -601,7 +602,7 @@
       </p:sp>
       <p:sp>
         <p:nvSpPr>
-          <p:cNvPr id="5" name="頁尾版面配置區 4"/>
+          <p:cNvPr id="5" name="Footer Placeholder 4"/>
           <p:cNvSpPr>
             <a:spLocks noGrp="1"/>
           </p:cNvSpPr>
@@ -620,7 +621,7 @@
       </p:sp>
       <p:sp>
         <p:nvSpPr>
-          <p:cNvPr id="6" name="投影片編號版面配置區 5"/>
+          <p:cNvPr id="6" name="Slide Number Placeholder 5"/>
           <p:cNvSpPr>
             <a:spLocks noGrp="1"/>
           </p:cNvSpPr>
@@ -644,7 +645,7 @@
     </p:spTree>
     <p:extLst>
       <p:ext uri="{BB962C8B-B14F-4D97-AF65-F5344CB8AC3E}">
-        <p14:creationId xmlns:p14="http://schemas.microsoft.com/office/powerpoint/2010/main" val="2945408082"/>
+        <p14:creationId xmlns:p14="http://schemas.microsoft.com/office/powerpoint/2010/main" val="2929062968"/>
       </p:ext>
     </p:extLst>
   </p:cSld>
@@ -673,7 +674,7 @@
       </p:grpSpPr>
       <p:sp>
         <p:nvSpPr>
-          <p:cNvPr id="2" name="標題 1"/>
+          <p:cNvPr id="2" name="Title 1"/>
           <p:cNvSpPr>
             <a:spLocks noGrp="1"/>
           </p:cNvSpPr>
@@ -690,13 +691,13 @@
               <a:rPr lang="zh-TW" altLang="en-US" smtClean="0"/>
               <a:t>按一下以編輯母片標題樣式</a:t>
             </a:r>
-            <a:endParaRPr lang="zh-TW" altLang="en-US"/>
-          </a:p>
-        </p:txBody>
-      </p:sp>
-      <p:sp>
-        <p:nvSpPr>
-          <p:cNvPr id="3" name="內容版面配置區 2"/>
+            <a:endParaRPr lang="en-US" dirty="0"/>
+          </a:p>
+        </p:txBody>
+      </p:sp>
+      <p:sp>
+        <p:nvSpPr>
+          <p:cNvPr id="3" name="Content Placeholder 2"/>
           <p:cNvSpPr>
             <a:spLocks noGrp="1"/>
           </p:cNvSpPr>
@@ -742,13 +743,13 @@
               <a:rPr lang="zh-TW" altLang="en-US" smtClean="0"/>
               <a:t>第五層</a:t>
             </a:r>
-            <a:endParaRPr lang="zh-TW" altLang="en-US"/>
-          </a:p>
-        </p:txBody>
-      </p:sp>
-      <p:sp>
-        <p:nvSpPr>
-          <p:cNvPr id="4" name="日期版面配置區 3"/>
+            <a:endParaRPr lang="en-US" dirty="0"/>
+          </a:p>
+        </p:txBody>
+      </p:sp>
+      <p:sp>
+        <p:nvSpPr>
+          <p:cNvPr id="4" name="Date Placeholder 3"/>
           <p:cNvSpPr>
             <a:spLocks noGrp="1"/>
           </p:cNvSpPr>
@@ -771,7 +772,7 @@
       </p:sp>
       <p:sp>
         <p:nvSpPr>
-          <p:cNvPr id="5" name="頁尾版面配置區 4"/>
+          <p:cNvPr id="5" name="Footer Placeholder 4"/>
           <p:cNvSpPr>
             <a:spLocks noGrp="1"/>
           </p:cNvSpPr>
@@ -790,7 +791,7 @@
       </p:sp>
       <p:sp>
         <p:nvSpPr>
-          <p:cNvPr id="6" name="投影片編號版面配置區 5"/>
+          <p:cNvPr id="6" name="Slide Number Placeholder 5"/>
           <p:cNvSpPr>
             <a:spLocks noGrp="1"/>
           </p:cNvSpPr>
@@ -814,7 +815,7 @@
     </p:spTree>
     <p:extLst>
       <p:ext uri="{BB962C8B-B14F-4D97-AF65-F5344CB8AC3E}">
-        <p14:creationId xmlns:p14="http://schemas.microsoft.com/office/powerpoint/2010/main" val="249596053"/>
+        <p14:creationId xmlns:p14="http://schemas.microsoft.com/office/powerpoint/2010/main" val="2567757099"/>
       </p:ext>
     </p:extLst>
   </p:cSld>
@@ -843,7 +844,7 @@
       </p:grpSpPr>
       <p:sp>
         <p:nvSpPr>
-          <p:cNvPr id="2" name="標題 1"/>
+          <p:cNvPr id="2" name="Title 1"/>
           <p:cNvSpPr>
             <a:spLocks noGrp="1"/>
           </p:cNvSpPr>
@@ -853,8 +854,8 @@
         </p:nvSpPr>
         <p:spPr>
           <a:xfrm>
-            <a:off x="831850" y="1709738"/>
-            <a:ext cx="10515600" cy="2852737"/>
+            <a:off x="1473718" y="1709739"/>
+            <a:ext cx="18629590" cy="2852737"/>
           </a:xfrm>
         </p:spPr>
         <p:txBody>
@@ -869,13 +870,13 @@
               <a:rPr lang="zh-TW" altLang="en-US" smtClean="0"/>
               <a:t>按一下以編輯母片標題樣式</a:t>
             </a:r>
-            <a:endParaRPr lang="zh-TW" altLang="en-US"/>
-          </a:p>
-        </p:txBody>
-      </p:sp>
-      <p:sp>
-        <p:nvSpPr>
-          <p:cNvPr id="3" name="文字版面配置區 2"/>
+            <a:endParaRPr lang="en-US" dirty="0"/>
+          </a:p>
+        </p:txBody>
+      </p:sp>
+      <p:sp>
+        <p:nvSpPr>
+          <p:cNvPr id="3" name="Text Placeholder 2"/>
           <p:cNvSpPr>
             <a:spLocks noGrp="1"/>
           </p:cNvSpPr>
@@ -885,8 +886,8 @@
         </p:nvSpPr>
         <p:spPr>
           <a:xfrm>
-            <a:off x="831850" y="4589463"/>
-            <a:ext cx="10515600" cy="1500187"/>
+            <a:off x="1473718" y="4589464"/>
+            <a:ext cx="18629590" cy="1500187"/>
           </a:xfrm>
         </p:spPr>
         <p:txBody>
@@ -994,7 +995,7 @@
       </p:sp>
       <p:sp>
         <p:nvSpPr>
-          <p:cNvPr id="4" name="日期版面配置區 3"/>
+          <p:cNvPr id="4" name="Date Placeholder 3"/>
           <p:cNvSpPr>
             <a:spLocks noGrp="1"/>
           </p:cNvSpPr>
@@ -1017,7 +1018,7 @@
       </p:sp>
       <p:sp>
         <p:nvSpPr>
-          <p:cNvPr id="5" name="頁尾版面配置區 4"/>
+          <p:cNvPr id="5" name="Footer Placeholder 4"/>
           <p:cNvSpPr>
             <a:spLocks noGrp="1"/>
           </p:cNvSpPr>
@@ -1036,7 +1037,7 @@
       </p:sp>
       <p:sp>
         <p:nvSpPr>
-          <p:cNvPr id="6" name="投影片編號版面配置區 5"/>
+          <p:cNvPr id="6" name="Slide Number Placeholder 5"/>
           <p:cNvSpPr>
             <a:spLocks noGrp="1"/>
           </p:cNvSpPr>
@@ -1060,7 +1061,7 @@
     </p:spTree>
     <p:extLst>
       <p:ext uri="{BB962C8B-B14F-4D97-AF65-F5344CB8AC3E}">
-        <p14:creationId xmlns:p14="http://schemas.microsoft.com/office/powerpoint/2010/main" val="1709951428"/>
+        <p14:creationId xmlns:p14="http://schemas.microsoft.com/office/powerpoint/2010/main" val="2535296137"/>
       </p:ext>
     </p:extLst>
   </p:cSld>
@@ -1089,7 +1090,7 @@
       </p:grpSpPr>
       <p:sp>
         <p:nvSpPr>
-          <p:cNvPr id="2" name="標題 1"/>
+          <p:cNvPr id="2" name="Title 1"/>
           <p:cNvSpPr>
             <a:spLocks noGrp="1"/>
           </p:cNvSpPr>
@@ -1106,13 +1107,13 @@
               <a:rPr lang="zh-TW" altLang="en-US" smtClean="0"/>
               <a:t>按一下以編輯母片標題樣式</a:t>
             </a:r>
-            <a:endParaRPr lang="zh-TW" altLang="en-US"/>
-          </a:p>
-        </p:txBody>
-      </p:sp>
-      <p:sp>
-        <p:nvSpPr>
-          <p:cNvPr id="3" name="內容版面配置區 2"/>
+            <a:endParaRPr lang="en-US" dirty="0"/>
+          </a:p>
+        </p:txBody>
+      </p:sp>
+      <p:sp>
+        <p:nvSpPr>
+          <p:cNvPr id="3" name="Content Placeholder 2"/>
           <p:cNvSpPr>
             <a:spLocks noGrp="1"/>
           </p:cNvSpPr>
@@ -1122,8 +1123,8 @@
         </p:nvSpPr>
         <p:spPr>
           <a:xfrm>
-            <a:off x="838200" y="1825625"/>
-            <a:ext cx="5181600" cy="4351338"/>
+            <a:off x="1484967" y="1825625"/>
+            <a:ext cx="9179798" cy="4351338"/>
           </a:xfrm>
         </p:spPr>
         <p:txBody>
@@ -1163,13 +1164,13 @@
               <a:rPr lang="zh-TW" altLang="en-US" smtClean="0"/>
               <a:t>第五層</a:t>
             </a:r>
-            <a:endParaRPr lang="zh-TW" altLang="en-US"/>
-          </a:p>
-        </p:txBody>
-      </p:sp>
-      <p:sp>
-        <p:nvSpPr>
-          <p:cNvPr id="4" name="內容版面配置區 3"/>
+            <a:endParaRPr lang="en-US" dirty="0"/>
+          </a:p>
+        </p:txBody>
+      </p:sp>
+      <p:sp>
+        <p:nvSpPr>
+          <p:cNvPr id="4" name="Content Placeholder 3"/>
           <p:cNvSpPr>
             <a:spLocks noGrp="1"/>
           </p:cNvSpPr>
@@ -1179,8 +1180,8 @@
         </p:nvSpPr>
         <p:spPr>
           <a:xfrm>
-            <a:off x="6172200" y="1825625"/>
-            <a:ext cx="5181600" cy="4351338"/>
+            <a:off x="10934760" y="1825625"/>
+            <a:ext cx="9179798" cy="4351338"/>
           </a:xfrm>
         </p:spPr>
         <p:txBody>
@@ -1220,13 +1221,13 @@
               <a:rPr lang="zh-TW" altLang="en-US" smtClean="0"/>
               <a:t>第五層</a:t>
             </a:r>
-            <a:endParaRPr lang="zh-TW" altLang="en-US"/>
-          </a:p>
-        </p:txBody>
-      </p:sp>
-      <p:sp>
-        <p:nvSpPr>
-          <p:cNvPr id="5" name="日期版面配置區 4"/>
+            <a:endParaRPr lang="en-US" dirty="0"/>
+          </a:p>
+        </p:txBody>
+      </p:sp>
+      <p:sp>
+        <p:nvSpPr>
+          <p:cNvPr id="5" name="Date Placeholder 4"/>
           <p:cNvSpPr>
             <a:spLocks noGrp="1"/>
           </p:cNvSpPr>
@@ -1249,7 +1250,7 @@
       </p:sp>
       <p:sp>
         <p:nvSpPr>
-          <p:cNvPr id="6" name="頁尾版面配置區 5"/>
+          <p:cNvPr id="6" name="Footer Placeholder 5"/>
           <p:cNvSpPr>
             <a:spLocks noGrp="1"/>
           </p:cNvSpPr>
@@ -1268,7 +1269,7 @@
       </p:sp>
       <p:sp>
         <p:nvSpPr>
-          <p:cNvPr id="7" name="投影片編號版面配置區 6"/>
+          <p:cNvPr id="7" name="Slide Number Placeholder 6"/>
           <p:cNvSpPr>
             <a:spLocks noGrp="1"/>
           </p:cNvSpPr>
@@ -1292,7 +1293,7 @@
     </p:spTree>
     <p:extLst>
       <p:ext uri="{BB962C8B-B14F-4D97-AF65-F5344CB8AC3E}">
-        <p14:creationId xmlns:p14="http://schemas.microsoft.com/office/powerpoint/2010/main" val="2868408819"/>
+        <p14:creationId xmlns:p14="http://schemas.microsoft.com/office/powerpoint/2010/main" val="2113315195"/>
       </p:ext>
     </p:extLst>
   </p:cSld>
@@ -1321,7 +1322,7 @@
       </p:grpSpPr>
       <p:sp>
         <p:nvSpPr>
-          <p:cNvPr id="2" name="標題 1"/>
+          <p:cNvPr id="2" name="Title 1"/>
           <p:cNvSpPr>
             <a:spLocks noGrp="1"/>
           </p:cNvSpPr>
@@ -1331,8 +1332,8 @@
         </p:nvSpPr>
         <p:spPr>
           <a:xfrm>
-            <a:off x="839788" y="365125"/>
-            <a:ext cx="10515600" cy="1325563"/>
+            <a:off x="1487781" y="365126"/>
+            <a:ext cx="18629590" cy="1325563"/>
           </a:xfrm>
         </p:spPr>
         <p:txBody>
@@ -1343,13 +1344,13 @@
               <a:rPr lang="zh-TW" altLang="en-US" smtClean="0"/>
               <a:t>按一下以編輯母片標題樣式</a:t>
             </a:r>
-            <a:endParaRPr lang="zh-TW" altLang="en-US"/>
-          </a:p>
-        </p:txBody>
-      </p:sp>
-      <p:sp>
-        <p:nvSpPr>
-          <p:cNvPr id="3" name="文字版面配置區 2"/>
+            <a:endParaRPr lang="en-US" dirty="0"/>
+          </a:p>
+        </p:txBody>
+      </p:sp>
+      <p:sp>
+        <p:nvSpPr>
+          <p:cNvPr id="3" name="Text Placeholder 2"/>
           <p:cNvSpPr>
             <a:spLocks noGrp="1"/>
           </p:cNvSpPr>
@@ -1359,8 +1360,8 @@
         </p:nvSpPr>
         <p:spPr>
           <a:xfrm>
-            <a:off x="839788" y="1681163"/>
-            <a:ext cx="5157787" cy="823912"/>
+            <a:off x="1487781" y="1681163"/>
+            <a:ext cx="9137611" cy="823912"/>
           </a:xfrm>
         </p:spPr>
         <p:txBody>
@@ -1414,7 +1415,7 @@
       </p:sp>
       <p:sp>
         <p:nvSpPr>
-          <p:cNvPr id="4" name="內容版面配置區 3"/>
+          <p:cNvPr id="4" name="Content Placeholder 3"/>
           <p:cNvSpPr>
             <a:spLocks noGrp="1"/>
           </p:cNvSpPr>
@@ -1424,8 +1425,8 @@
         </p:nvSpPr>
         <p:spPr>
           <a:xfrm>
-            <a:off x="839788" y="2505075"/>
-            <a:ext cx="5157787" cy="3684588"/>
+            <a:off x="1487781" y="2505075"/>
+            <a:ext cx="9137611" cy="3684588"/>
           </a:xfrm>
         </p:spPr>
         <p:txBody>
@@ -1465,13 +1466,13 @@
               <a:rPr lang="zh-TW" altLang="en-US" smtClean="0"/>
               <a:t>第五層</a:t>
             </a:r>
-            <a:endParaRPr lang="zh-TW" altLang="en-US"/>
-          </a:p>
-        </p:txBody>
-      </p:sp>
-      <p:sp>
-        <p:nvSpPr>
-          <p:cNvPr id="5" name="文字版面配置區 4"/>
+            <a:endParaRPr lang="en-US" dirty="0"/>
+          </a:p>
+        </p:txBody>
+      </p:sp>
+      <p:sp>
+        <p:nvSpPr>
+          <p:cNvPr id="5" name="Text Placeholder 4"/>
           <p:cNvSpPr>
             <a:spLocks noGrp="1"/>
           </p:cNvSpPr>
@@ -1481,8 +1482,8 @@
         </p:nvSpPr>
         <p:spPr>
           <a:xfrm>
-            <a:off x="6172200" y="1681163"/>
-            <a:ext cx="5183188" cy="823912"/>
+            <a:off x="10934760" y="1681163"/>
+            <a:ext cx="9182611" cy="823912"/>
           </a:xfrm>
         </p:spPr>
         <p:txBody>
@@ -1536,7 +1537,7 @@
       </p:sp>
       <p:sp>
         <p:nvSpPr>
-          <p:cNvPr id="6" name="內容版面配置區 5"/>
+          <p:cNvPr id="6" name="Content Placeholder 5"/>
           <p:cNvSpPr>
             <a:spLocks noGrp="1"/>
           </p:cNvSpPr>
@@ -1546,8 +1547,8 @@
         </p:nvSpPr>
         <p:spPr>
           <a:xfrm>
-            <a:off x="6172200" y="2505075"/>
-            <a:ext cx="5183188" cy="3684588"/>
+            <a:off x="10934760" y="2505075"/>
+            <a:ext cx="9182611" cy="3684588"/>
           </a:xfrm>
         </p:spPr>
         <p:txBody>
@@ -1587,13 +1588,13 @@
               <a:rPr lang="zh-TW" altLang="en-US" smtClean="0"/>
               <a:t>第五層</a:t>
             </a:r>
-            <a:endParaRPr lang="zh-TW" altLang="en-US"/>
-          </a:p>
-        </p:txBody>
-      </p:sp>
-      <p:sp>
-        <p:nvSpPr>
-          <p:cNvPr id="7" name="日期版面配置區 6"/>
+            <a:endParaRPr lang="en-US" dirty="0"/>
+          </a:p>
+        </p:txBody>
+      </p:sp>
+      <p:sp>
+        <p:nvSpPr>
+          <p:cNvPr id="7" name="Date Placeholder 6"/>
           <p:cNvSpPr>
             <a:spLocks noGrp="1"/>
           </p:cNvSpPr>
@@ -1616,7 +1617,7 @@
       </p:sp>
       <p:sp>
         <p:nvSpPr>
-          <p:cNvPr id="8" name="頁尾版面配置區 7"/>
+          <p:cNvPr id="8" name="Footer Placeholder 7"/>
           <p:cNvSpPr>
             <a:spLocks noGrp="1"/>
           </p:cNvSpPr>
@@ -1635,7 +1636,7 @@
       </p:sp>
       <p:sp>
         <p:nvSpPr>
-          <p:cNvPr id="9" name="投影片編號版面配置區 8"/>
+          <p:cNvPr id="9" name="Slide Number Placeholder 8"/>
           <p:cNvSpPr>
             <a:spLocks noGrp="1"/>
           </p:cNvSpPr>
@@ -1659,7 +1660,7 @@
     </p:spTree>
     <p:extLst>
       <p:ext uri="{BB962C8B-B14F-4D97-AF65-F5344CB8AC3E}">
-        <p14:creationId xmlns:p14="http://schemas.microsoft.com/office/powerpoint/2010/main" val="1869868443"/>
+        <p14:creationId xmlns:p14="http://schemas.microsoft.com/office/powerpoint/2010/main" val="2229063559"/>
       </p:ext>
     </p:extLst>
   </p:cSld>
@@ -1688,7 +1689,7 @@
       </p:grpSpPr>
       <p:sp>
         <p:nvSpPr>
-          <p:cNvPr id="2" name="標題 1"/>
+          <p:cNvPr id="2" name="Title 1"/>
           <p:cNvSpPr>
             <a:spLocks noGrp="1"/>
           </p:cNvSpPr>
@@ -1705,13 +1706,13 @@
               <a:rPr lang="zh-TW" altLang="en-US" smtClean="0"/>
               <a:t>按一下以編輯母片標題樣式</a:t>
             </a:r>
-            <a:endParaRPr lang="zh-TW" altLang="en-US"/>
-          </a:p>
-        </p:txBody>
-      </p:sp>
-      <p:sp>
-        <p:nvSpPr>
-          <p:cNvPr id="3" name="日期版面配置區 2"/>
+            <a:endParaRPr lang="en-US" dirty="0"/>
+          </a:p>
+        </p:txBody>
+      </p:sp>
+      <p:sp>
+        <p:nvSpPr>
+          <p:cNvPr id="3" name="Date Placeholder 2"/>
           <p:cNvSpPr>
             <a:spLocks noGrp="1"/>
           </p:cNvSpPr>
@@ -1734,7 +1735,7 @@
       </p:sp>
       <p:sp>
         <p:nvSpPr>
-          <p:cNvPr id="4" name="頁尾版面配置區 3"/>
+          <p:cNvPr id="4" name="Footer Placeholder 3"/>
           <p:cNvSpPr>
             <a:spLocks noGrp="1"/>
           </p:cNvSpPr>
@@ -1753,7 +1754,7 @@
       </p:sp>
       <p:sp>
         <p:nvSpPr>
-          <p:cNvPr id="5" name="投影片編號版面配置區 4"/>
+          <p:cNvPr id="5" name="Slide Number Placeholder 4"/>
           <p:cNvSpPr>
             <a:spLocks noGrp="1"/>
           </p:cNvSpPr>
@@ -1777,7 +1778,7 @@
     </p:spTree>
     <p:extLst>
       <p:ext uri="{BB962C8B-B14F-4D97-AF65-F5344CB8AC3E}">
-        <p14:creationId xmlns:p14="http://schemas.microsoft.com/office/powerpoint/2010/main" val="1991226617"/>
+        <p14:creationId xmlns:p14="http://schemas.microsoft.com/office/powerpoint/2010/main" val="787498445"/>
       </p:ext>
     </p:extLst>
   </p:cSld>
@@ -1806,7 +1807,7 @@
       </p:grpSpPr>
       <p:sp>
         <p:nvSpPr>
-          <p:cNvPr id="2" name="日期版面配置區 1"/>
+          <p:cNvPr id="2" name="Date Placeholder 1"/>
           <p:cNvSpPr>
             <a:spLocks noGrp="1"/>
           </p:cNvSpPr>
@@ -1829,7 +1830,7 @@
       </p:sp>
       <p:sp>
         <p:nvSpPr>
-          <p:cNvPr id="3" name="頁尾版面配置區 2"/>
+          <p:cNvPr id="3" name="Footer Placeholder 2"/>
           <p:cNvSpPr>
             <a:spLocks noGrp="1"/>
           </p:cNvSpPr>
@@ -1848,7 +1849,7 @@
       </p:sp>
       <p:sp>
         <p:nvSpPr>
-          <p:cNvPr id="4" name="投影片編號版面配置區 3"/>
+          <p:cNvPr id="4" name="Slide Number Placeholder 3"/>
           <p:cNvSpPr>
             <a:spLocks noGrp="1"/>
           </p:cNvSpPr>
@@ -1872,7 +1873,7 @@
     </p:spTree>
     <p:extLst>
       <p:ext uri="{BB962C8B-B14F-4D97-AF65-F5344CB8AC3E}">
-        <p14:creationId xmlns:p14="http://schemas.microsoft.com/office/powerpoint/2010/main" val="4108781253"/>
+        <p14:creationId xmlns:p14="http://schemas.microsoft.com/office/powerpoint/2010/main" val="2886799541"/>
       </p:ext>
     </p:extLst>
   </p:cSld>
@@ -1901,7 +1902,7 @@
       </p:grpSpPr>
       <p:sp>
         <p:nvSpPr>
-          <p:cNvPr id="2" name="標題 1"/>
+          <p:cNvPr id="2" name="Title 1"/>
           <p:cNvSpPr>
             <a:spLocks noGrp="1"/>
           </p:cNvSpPr>
@@ -1911,8 +1912,8 @@
         </p:nvSpPr>
         <p:spPr>
           <a:xfrm>
-            <a:off x="839788" y="457200"/>
-            <a:ext cx="3932237" cy="1600200"/>
+            <a:off x="1487782" y="457200"/>
+            <a:ext cx="6966408" cy="1600200"/>
           </a:xfrm>
         </p:spPr>
         <p:txBody>
@@ -1927,13 +1928,13 @@
               <a:rPr lang="zh-TW" altLang="en-US" smtClean="0"/>
               <a:t>按一下以編輯母片標題樣式</a:t>
             </a:r>
-            <a:endParaRPr lang="zh-TW" altLang="en-US"/>
-          </a:p>
-        </p:txBody>
-      </p:sp>
-      <p:sp>
-        <p:nvSpPr>
-          <p:cNvPr id="3" name="內容版面配置區 2"/>
+            <a:endParaRPr lang="en-US" dirty="0"/>
+          </a:p>
+        </p:txBody>
+      </p:sp>
+      <p:sp>
+        <p:nvSpPr>
+          <p:cNvPr id="3" name="Content Placeholder 2"/>
           <p:cNvSpPr>
             <a:spLocks noGrp="1"/>
           </p:cNvSpPr>
@@ -1943,8 +1944,8 @@
         </p:nvSpPr>
         <p:spPr>
           <a:xfrm>
-            <a:off x="5183188" y="987425"/>
-            <a:ext cx="6172200" cy="4873625"/>
+            <a:off x="9182611" y="987426"/>
+            <a:ext cx="10934760" cy="4873625"/>
           </a:xfrm>
         </p:spPr>
         <p:txBody>
@@ -2012,13 +2013,13 @@
               <a:rPr lang="zh-TW" altLang="en-US" smtClean="0"/>
               <a:t>第五層</a:t>
             </a:r>
-            <a:endParaRPr lang="zh-TW" altLang="en-US"/>
-          </a:p>
-        </p:txBody>
-      </p:sp>
-      <p:sp>
-        <p:nvSpPr>
-          <p:cNvPr id="4" name="文字版面配置區 3"/>
+            <a:endParaRPr lang="en-US" dirty="0"/>
+          </a:p>
+        </p:txBody>
+      </p:sp>
+      <p:sp>
+        <p:nvSpPr>
+          <p:cNvPr id="4" name="Text Placeholder 3"/>
           <p:cNvSpPr>
             <a:spLocks noGrp="1"/>
           </p:cNvSpPr>
@@ -2028,8 +2029,8 @@
         </p:nvSpPr>
         <p:spPr>
           <a:xfrm>
-            <a:off x="839788" y="2057400"/>
-            <a:ext cx="3932237" cy="3811588"/>
+            <a:off x="1487782" y="2057400"/>
+            <a:ext cx="6966408" cy="3811588"/>
           </a:xfrm>
         </p:spPr>
         <p:txBody>
@@ -2083,7 +2084,7 @@
       </p:sp>
       <p:sp>
         <p:nvSpPr>
-          <p:cNvPr id="5" name="日期版面配置區 4"/>
+          <p:cNvPr id="5" name="Date Placeholder 4"/>
           <p:cNvSpPr>
             <a:spLocks noGrp="1"/>
           </p:cNvSpPr>
@@ -2106,7 +2107,7 @@
       </p:sp>
       <p:sp>
         <p:nvSpPr>
-          <p:cNvPr id="6" name="頁尾版面配置區 5"/>
+          <p:cNvPr id="6" name="Footer Placeholder 5"/>
           <p:cNvSpPr>
             <a:spLocks noGrp="1"/>
           </p:cNvSpPr>
@@ -2125,7 +2126,7 @@
       </p:sp>
       <p:sp>
         <p:nvSpPr>
-          <p:cNvPr id="7" name="投影片編號版面配置區 6"/>
+          <p:cNvPr id="7" name="Slide Number Placeholder 6"/>
           <p:cNvSpPr>
             <a:spLocks noGrp="1"/>
           </p:cNvSpPr>
@@ -2149,7 +2150,7 @@
     </p:spTree>
     <p:extLst>
       <p:ext uri="{BB962C8B-B14F-4D97-AF65-F5344CB8AC3E}">
-        <p14:creationId xmlns:p14="http://schemas.microsoft.com/office/powerpoint/2010/main" val="1515857091"/>
+        <p14:creationId xmlns:p14="http://schemas.microsoft.com/office/powerpoint/2010/main" val="560733536"/>
       </p:ext>
     </p:extLst>
   </p:cSld>
@@ -2178,7 +2179,7 @@
       </p:grpSpPr>
       <p:sp>
         <p:nvSpPr>
-          <p:cNvPr id="2" name="標題 1"/>
+          <p:cNvPr id="2" name="Title 1"/>
           <p:cNvSpPr>
             <a:spLocks noGrp="1"/>
           </p:cNvSpPr>
@@ -2188,8 +2189,8 @@
         </p:nvSpPr>
         <p:spPr>
           <a:xfrm>
-            <a:off x="839788" y="457200"/>
-            <a:ext cx="3932237" cy="1600200"/>
+            <a:off x="1487782" y="457200"/>
+            <a:ext cx="6966408" cy="1600200"/>
           </a:xfrm>
         </p:spPr>
         <p:txBody>
@@ -2204,15 +2205,15 @@
               <a:rPr lang="zh-TW" altLang="en-US" smtClean="0"/>
               <a:t>按一下以編輯母片標題樣式</a:t>
             </a:r>
-            <a:endParaRPr lang="zh-TW" altLang="en-US"/>
-          </a:p>
-        </p:txBody>
-      </p:sp>
-      <p:sp>
-        <p:nvSpPr>
-          <p:cNvPr id="3" name="圖片版面配置區 2"/>
-          <p:cNvSpPr>
-            <a:spLocks noGrp="1"/>
+            <a:endParaRPr lang="en-US" dirty="0"/>
+          </a:p>
+        </p:txBody>
+      </p:sp>
+      <p:sp>
+        <p:nvSpPr>
+          <p:cNvPr id="3" name="Picture Placeholder 2"/>
+          <p:cNvSpPr>
+            <a:spLocks noGrp="1" noChangeAspect="1"/>
           </p:cNvSpPr>
           <p:nvPr>
             <p:ph type="pic" idx="1"/>
@@ -2220,12 +2221,12 @@
         </p:nvSpPr>
         <p:spPr>
           <a:xfrm>
-            <a:off x="5183188" y="987425"/>
-            <a:ext cx="6172200" cy="4873625"/>
+            <a:off x="9182611" y="987426"/>
+            <a:ext cx="10934760" cy="4873625"/>
           </a:xfrm>
         </p:spPr>
         <p:txBody>
-          <a:bodyPr/>
+          <a:bodyPr anchor="t"/>
           <a:lstStyle>
             <a:lvl1pPr marL="0" indent="0">
               <a:buNone/>
@@ -2265,13 +2266,17 @@
             </a:lvl9pPr>
           </a:lstStyle>
           <a:p>
-            <a:endParaRPr lang="zh-TW" altLang="en-US"/>
-          </a:p>
-        </p:txBody>
-      </p:sp>
-      <p:sp>
-        <p:nvSpPr>
-          <p:cNvPr id="4" name="文字版面配置區 3"/>
+            <a:r>
+              <a:rPr lang="zh-TW" altLang="en-US" smtClean="0"/>
+              <a:t>按一下圖示以新增圖片</a:t>
+            </a:r>
+            <a:endParaRPr lang="en-US" dirty="0"/>
+          </a:p>
+        </p:txBody>
+      </p:sp>
+      <p:sp>
+        <p:nvSpPr>
+          <p:cNvPr id="4" name="Text Placeholder 3"/>
           <p:cNvSpPr>
             <a:spLocks noGrp="1"/>
           </p:cNvSpPr>
@@ -2281,8 +2286,8 @@
         </p:nvSpPr>
         <p:spPr>
           <a:xfrm>
-            <a:off x="839788" y="2057400"/>
-            <a:ext cx="3932237" cy="3811588"/>
+            <a:off x="1487782" y="2057400"/>
+            <a:ext cx="6966408" cy="3811588"/>
           </a:xfrm>
         </p:spPr>
         <p:txBody>
@@ -2336,7 +2341,7 @@
       </p:sp>
       <p:sp>
         <p:nvSpPr>
-          <p:cNvPr id="5" name="日期版面配置區 4"/>
+          <p:cNvPr id="5" name="Date Placeholder 4"/>
           <p:cNvSpPr>
             <a:spLocks noGrp="1"/>
           </p:cNvSpPr>
@@ -2359,7 +2364,7 @@
       </p:sp>
       <p:sp>
         <p:nvSpPr>
-          <p:cNvPr id="6" name="頁尾版面配置區 5"/>
+          <p:cNvPr id="6" name="Footer Placeholder 5"/>
           <p:cNvSpPr>
             <a:spLocks noGrp="1"/>
           </p:cNvSpPr>
@@ -2378,7 +2383,7 @@
       </p:sp>
       <p:sp>
         <p:nvSpPr>
-          <p:cNvPr id="7" name="投影片編號版面配置區 6"/>
+          <p:cNvPr id="7" name="Slide Number Placeholder 6"/>
           <p:cNvSpPr>
             <a:spLocks noGrp="1"/>
           </p:cNvSpPr>
@@ -2402,7 +2407,7 @@
     </p:spTree>
     <p:extLst>
       <p:ext uri="{BB962C8B-B14F-4D97-AF65-F5344CB8AC3E}">
-        <p14:creationId xmlns:p14="http://schemas.microsoft.com/office/powerpoint/2010/main" val="3942852585"/>
+        <p14:creationId xmlns:p14="http://schemas.microsoft.com/office/powerpoint/2010/main" val="2182724792"/>
       </p:ext>
     </p:extLst>
   </p:cSld>
@@ -2436,7 +2441,7 @@
       </p:grpSpPr>
       <p:sp>
         <p:nvSpPr>
-          <p:cNvPr id="2" name="標題版面配置區 1"/>
+          <p:cNvPr id="2" name="Title Placeholder 1"/>
           <p:cNvSpPr>
             <a:spLocks noGrp="1"/>
           </p:cNvSpPr>
@@ -2446,8 +2451,8 @@
         </p:nvSpPr>
         <p:spPr>
           <a:xfrm>
-            <a:off x="838200" y="365125"/>
-            <a:ext cx="10515600" cy="1325563"/>
+            <a:off x="1484968" y="365126"/>
+            <a:ext cx="18629590" cy="1325563"/>
           </a:xfrm>
           <a:prstGeom prst="rect">
             <a:avLst/>
@@ -2463,13 +2468,13 @@
               <a:rPr lang="zh-TW" altLang="en-US" smtClean="0"/>
               <a:t>按一下以編輯母片標題樣式</a:t>
             </a:r>
-            <a:endParaRPr lang="zh-TW" altLang="en-US"/>
-          </a:p>
-        </p:txBody>
-      </p:sp>
-      <p:sp>
-        <p:nvSpPr>
-          <p:cNvPr id="3" name="文字版面配置區 2"/>
+            <a:endParaRPr lang="en-US" dirty="0"/>
+          </a:p>
+        </p:txBody>
+      </p:sp>
+      <p:sp>
+        <p:nvSpPr>
+          <p:cNvPr id="3" name="Text Placeholder 2"/>
           <p:cNvSpPr>
             <a:spLocks noGrp="1"/>
           </p:cNvSpPr>
@@ -2479,8 +2484,8 @@
         </p:nvSpPr>
         <p:spPr>
           <a:xfrm>
-            <a:off x="838200" y="1825625"/>
-            <a:ext cx="10515600" cy="4351338"/>
+            <a:off x="1484968" y="1825625"/>
+            <a:ext cx="18629590" cy="4351338"/>
           </a:xfrm>
           <a:prstGeom prst="rect">
             <a:avLst/>
@@ -2525,13 +2530,13 @@
               <a:rPr lang="zh-TW" altLang="en-US" smtClean="0"/>
               <a:t>第五層</a:t>
             </a:r>
-            <a:endParaRPr lang="zh-TW" altLang="en-US"/>
-          </a:p>
-        </p:txBody>
-      </p:sp>
-      <p:sp>
-        <p:nvSpPr>
-          <p:cNvPr id="4" name="日期版面配置區 3"/>
+            <a:endParaRPr lang="en-US" dirty="0"/>
+          </a:p>
+        </p:txBody>
+      </p:sp>
+      <p:sp>
+        <p:nvSpPr>
+          <p:cNvPr id="4" name="Date Placeholder 3"/>
           <p:cNvSpPr>
             <a:spLocks noGrp="1"/>
           </p:cNvSpPr>
@@ -2541,8 +2546,8 @@
         </p:nvSpPr>
         <p:spPr>
           <a:xfrm>
-            <a:off x="838200" y="6356350"/>
-            <a:ext cx="2743200" cy="365125"/>
+            <a:off x="1484967" y="6356351"/>
+            <a:ext cx="4859893" cy="365125"/>
           </a:xfrm>
           <a:prstGeom prst="rect">
             <a:avLst/>
@@ -2572,7 +2577,7 @@
       </p:sp>
       <p:sp>
         <p:nvSpPr>
-          <p:cNvPr id="5" name="頁尾版面配置區 4"/>
+          <p:cNvPr id="5" name="Footer Placeholder 4"/>
           <p:cNvSpPr>
             <a:spLocks noGrp="1"/>
           </p:cNvSpPr>
@@ -2582,8 +2587,8 @@
         </p:nvSpPr>
         <p:spPr>
           <a:xfrm>
-            <a:off x="4038600" y="6356350"/>
-            <a:ext cx="4114800" cy="365125"/>
+            <a:off x="7154843" y="6356351"/>
+            <a:ext cx="7289840" cy="365125"/>
           </a:xfrm>
           <a:prstGeom prst="rect">
             <a:avLst/>
@@ -2609,7 +2614,7 @@
       </p:sp>
       <p:sp>
         <p:nvSpPr>
-          <p:cNvPr id="6" name="投影片編號版面配置區 5"/>
+          <p:cNvPr id="6" name="Slide Number Placeholder 5"/>
           <p:cNvSpPr>
             <a:spLocks noGrp="1"/>
           </p:cNvSpPr>
@@ -2619,8 +2624,8 @@
         </p:nvSpPr>
         <p:spPr>
           <a:xfrm>
-            <a:off x="8610600" y="6356350"/>
-            <a:ext cx="2743200" cy="365125"/>
+            <a:off x="15254665" y="6356351"/>
+            <a:ext cx="4859893" cy="365125"/>
           </a:xfrm>
           <a:prstGeom prst="rect">
             <a:avLst/>
@@ -2651,23 +2656,23 @@
     </p:spTree>
     <p:extLst>
       <p:ext uri="{BB962C8B-B14F-4D97-AF65-F5344CB8AC3E}">
-        <p14:creationId xmlns:p14="http://schemas.microsoft.com/office/powerpoint/2010/main" val="4106603137"/>
+        <p14:creationId xmlns:p14="http://schemas.microsoft.com/office/powerpoint/2010/main" val="3536087026"/>
       </p:ext>
     </p:extLst>
   </p:cSld>
   <p:clrMap bg1="lt1" tx1="dk1" bg2="lt2" tx2="dk2" accent1="accent1" accent2="accent2" accent3="accent3" accent4="accent4" accent5="accent5" accent6="accent6" hlink="hlink" folHlink="folHlink"/>
   <p:sldLayoutIdLst>
-    <p:sldLayoutId id="2147483649" r:id="rId1"/>
-    <p:sldLayoutId id="2147483650" r:id="rId2"/>
-    <p:sldLayoutId id="2147483651" r:id="rId3"/>
-    <p:sldLayoutId id="2147483652" r:id="rId4"/>
-    <p:sldLayoutId id="2147483653" r:id="rId5"/>
-    <p:sldLayoutId id="2147483654" r:id="rId6"/>
-    <p:sldLayoutId id="2147483655" r:id="rId7"/>
-    <p:sldLayoutId id="2147483656" r:id="rId8"/>
-    <p:sldLayoutId id="2147483657" r:id="rId9"/>
-    <p:sldLayoutId id="2147483658" r:id="rId10"/>
-    <p:sldLayoutId id="2147483659" r:id="rId11"/>
+    <p:sldLayoutId id="2147483661" r:id="rId1"/>
+    <p:sldLayoutId id="2147483662" r:id="rId2"/>
+    <p:sldLayoutId id="2147483663" r:id="rId3"/>
+    <p:sldLayoutId id="2147483664" r:id="rId4"/>
+    <p:sldLayoutId id="2147483665" r:id="rId5"/>
+    <p:sldLayoutId id="2147483666" r:id="rId6"/>
+    <p:sldLayoutId id="2147483667" r:id="rId7"/>
+    <p:sldLayoutId id="2147483668" r:id="rId8"/>
+    <p:sldLayoutId id="2147483669" r:id="rId9"/>
+    <p:sldLayoutId id="2147483670" r:id="rId10"/>
+    <p:sldLayoutId id="2147483671" r:id="rId11"/>
   </p:sldLayoutIdLst>
   <p:txStyles>
     <p:titleStyle>
@@ -2855,7 +2860,7 @@
     </p:bodyStyle>
     <p:otherStyle>
       <a:defPPr>
-        <a:defRPr lang="zh-TW"/>
+        <a:defRPr lang="en-US"/>
       </a:defPPr>
       <a:lvl1pPr marL="0" algn="l" defTabSz="914400" rtl="0" eaLnBrk="1" latinLnBrk="0" hangingPunct="1">
         <a:defRPr sz="1800" kern="1200">
@@ -2987,8 +2992,8 @@
             </p:nvSpPr>
             <p:spPr>
               <a:xfrm>
-                <a:off x="137160" y="1189736"/>
-                <a:ext cx="10561320" cy="2386487"/>
+                <a:off x="4192740" y="1398080"/>
+                <a:ext cx="13286232" cy="2386872"/>
               </a:xfrm>
               <a:prstGeom prst="rect">
                 <a:avLst/>
@@ -3009,34 +3014,82 @@
                     </m:oMathParaPr>
                     <m:oMath xmlns:m="http://schemas.openxmlformats.org/officeDocument/2006/math">
                       <m:r>
-                        <a:rPr lang="en-US" altLang="zh-TW" sz="6000" i="1" smtClean="0">
+                        <a:rPr lang="en-US" altLang="zh-TW" sz="6001" i="1">
                           <a:solidFill>
                             <a:srgbClr val="FBF1C7"/>
                           </a:solidFill>
                           <a:latin typeface="Cambria Math" panose="02040503050406030204" pitchFamily="18" charset="0"/>
                         </a:rPr>
-                        <m:t>𝐴</m:t>
+                        <m:t>𝐴𝑡𝑡𝑒𝑛𝑡𝑖𝑜𝑛</m:t>
                       </m:r>
                       <m:r>
-                        <a:rPr lang="en-US" altLang="zh-TW" sz="6000" b="0" i="1" smtClean="0">
+                        <a:rPr lang="en-US" altLang="zh-TW" sz="6001" i="1">
                           <a:solidFill>
                             <a:srgbClr val="FBF1C7"/>
                           </a:solidFill>
                           <a:latin typeface="Cambria Math" panose="02040503050406030204" pitchFamily="18" charset="0"/>
                         </a:rPr>
-                        <m:t>𝑡𝑡𝑒𝑛𝑡𝑖𝑜𝑛</m:t>
+                        <m:t>(</m:t>
                       </m:r>
                       <m:r>
-                        <a:rPr lang="en-US" altLang="zh-TW" sz="6000" i="1" smtClean="0">
+                        <m:rPr>
+                          <m:sty m:val="p"/>
+                        </m:rPr>
+                        <a:rPr lang="en-US" altLang="zh-TW" sz="6001" i="1">
                           <a:solidFill>
                             <a:srgbClr val="FBF1C7"/>
                           </a:solidFill>
                           <a:latin typeface="Cambria Math" panose="02040503050406030204" pitchFamily="18" charset="0"/>
                         </a:rPr>
-                        <m:t>=</m:t>
+                        <m:t>Q</m:t>
                       </m:r>
                       <m:r>
-                        <a:rPr lang="en-US" altLang="zh-TW" sz="6000" b="0" i="1" smtClean="0">
+                        <a:rPr lang="en-US" altLang="zh-TW" sz="6001" i="1">
+                          <a:solidFill>
+                            <a:srgbClr val="FBF1C7"/>
+                          </a:solidFill>
+                          <a:latin typeface="Cambria Math" panose="02040503050406030204" pitchFamily="18" charset="0"/>
+                        </a:rPr>
+                        <m:t>,</m:t>
+                      </m:r>
+                      <m:r>
+                        <a:rPr lang="en-US" altLang="zh-TW" sz="6001" i="1">
+                          <a:solidFill>
+                            <a:srgbClr val="FBF1C7"/>
+                          </a:solidFill>
+                          <a:latin typeface="Cambria Math" panose="02040503050406030204" pitchFamily="18" charset="0"/>
+                        </a:rPr>
+                        <m:t>𝐾</m:t>
+                      </m:r>
+                      <m:r>
+                        <a:rPr lang="en-US" altLang="zh-TW" sz="6001" i="1">
+                          <a:solidFill>
+                            <a:srgbClr val="FBF1C7"/>
+                          </a:solidFill>
+                          <a:latin typeface="Cambria Math" panose="02040503050406030204" pitchFamily="18" charset="0"/>
+                        </a:rPr>
+                        <m:t>,</m:t>
+                      </m:r>
+                      <m:r>
+                        <a:rPr lang="en-US" altLang="zh-TW" sz="6001" i="1">
+                          <a:solidFill>
+                            <a:srgbClr val="FBF1C7"/>
+                          </a:solidFill>
+                          <a:latin typeface="Cambria Math" panose="02040503050406030204" pitchFamily="18" charset="0"/>
+                        </a:rPr>
+                        <m:t>𝑉</m:t>
+                      </m:r>
+                      <m:r>
+                        <a:rPr lang="en-US" altLang="zh-TW" sz="6001" i="1">
+                          <a:solidFill>
+                            <a:srgbClr val="FBF1C7"/>
+                          </a:solidFill>
+                          <a:latin typeface="Cambria Math" panose="02040503050406030204" pitchFamily="18" charset="0"/>
+                        </a:rPr>
+                        <m:t>)=</m:t>
+                      </m:r>
+                      <m:r>
+                        <a:rPr lang="en-US" altLang="zh-TW" sz="6001" i="1">
                           <a:solidFill>
                             <a:srgbClr val="FBF1C7"/>
                           </a:solidFill>
@@ -3047,7 +3100,7 @@
                       <m:d>
                         <m:dPr>
                           <m:ctrlPr>
-                            <a:rPr lang="en-US" altLang="zh-TW" sz="6000" b="0" i="1" smtClean="0">
+                            <a:rPr lang="en-US" altLang="zh-TW" sz="6001" i="1">
                               <a:solidFill>
                                 <a:srgbClr val="FBF1C7"/>
                               </a:solidFill>
@@ -3059,7 +3112,7 @@
                           <m:f>
                             <m:fPr>
                               <m:ctrlPr>
-                                <a:rPr lang="en-US" altLang="zh-TW" sz="6000" i="1" smtClean="0">
+                                <a:rPr lang="en-US" altLang="zh-TW" sz="6001" i="1">
                                   <a:solidFill>
                                     <a:srgbClr val="FBF1C7"/>
                                   </a:solidFill>
@@ -3069,7 +3122,7 @@
                             </m:fPr>
                             <m:num>
                               <m:r>
-                                <a:rPr lang="en-US" altLang="zh-TW" sz="6000" b="0" i="1" smtClean="0">
+                                <a:rPr lang="en-US" altLang="zh-TW" sz="6001" i="1">
                                   <a:solidFill>
                                     <a:srgbClr val="FBF1C7"/>
                                   </a:solidFill>
@@ -3080,7 +3133,7 @@
                               <m:sSup>
                                 <m:sSupPr>
                                   <m:ctrlPr>
-                                    <a:rPr lang="en-US" altLang="zh-TW" sz="6000" i="1" smtClean="0">
+                                    <a:rPr lang="en-US" altLang="zh-TW" sz="6001" i="1">
                                       <a:solidFill>
                                         <a:srgbClr val="FBF1C7"/>
                                       </a:solidFill>
@@ -3090,7 +3143,7 @@
                                 </m:sSupPr>
                                 <m:e>
                                   <m:r>
-                                    <a:rPr lang="en-US" altLang="zh-TW" sz="6000" b="0" i="1" smtClean="0">
+                                    <a:rPr lang="en-US" altLang="zh-TW" sz="6001" i="1">
                                       <a:solidFill>
                                         <a:srgbClr val="FBF1C7"/>
                                       </a:solidFill>
@@ -3101,7 +3154,7 @@
                                 </m:e>
                                 <m:sup>
                                   <m:r>
-                                    <a:rPr lang="en-US" altLang="zh-TW" sz="6000" b="0" i="1" smtClean="0">
+                                    <a:rPr lang="en-US" altLang="zh-TW" sz="6001" i="1">
                                       <a:solidFill>
                                         <a:srgbClr val="FBF1C7"/>
                                       </a:solidFill>
@@ -3117,7 +3170,7 @@
                                 <m:radPr>
                                   <m:degHide m:val="on"/>
                                   <m:ctrlPr>
-                                    <a:rPr lang="en-US" altLang="zh-TW" sz="6000" i="1" smtClean="0">
+                                    <a:rPr lang="en-US" altLang="zh-TW" sz="6001" i="1">
                                       <a:solidFill>
                                         <a:srgbClr val="FBF1C7"/>
                                       </a:solidFill>
@@ -3130,7 +3183,7 @@
                                   <m:sSub>
                                     <m:sSubPr>
                                       <m:ctrlPr>
-                                        <a:rPr lang="en-US" altLang="zh-TW" sz="6000" b="0" i="1" smtClean="0">
+                                        <a:rPr lang="en-US" altLang="zh-TW" sz="6001" i="1">
                                           <a:solidFill>
                                             <a:srgbClr val="FBF1C7"/>
                                           </a:solidFill>
@@ -3140,7 +3193,7 @@
                                     </m:sSubPr>
                                     <m:e>
                                       <m:r>
-                                        <a:rPr lang="en-US" altLang="zh-TW" sz="6000" b="0" i="1" smtClean="0">
+                                        <a:rPr lang="en-US" altLang="zh-TW" sz="6001" i="1">
                                           <a:solidFill>
                                             <a:srgbClr val="FBF1C7"/>
                                           </a:solidFill>
@@ -3151,7 +3204,7 @@
                                     </m:e>
                                     <m:sub>
                                       <m:r>
-                                        <a:rPr lang="en-US" altLang="zh-TW" sz="6000" b="0" i="1" smtClean="0">
+                                        <a:rPr lang="en-US" altLang="zh-TW" sz="6001" i="1">
                                           <a:solidFill>
                                             <a:srgbClr val="FBF1C7"/>
                                           </a:solidFill>
@@ -3168,7 +3221,7 @@
                         </m:e>
                       </m:d>
                       <m:r>
-                        <a:rPr lang="en-US" altLang="zh-TW" sz="6000" b="0" i="1" smtClean="0">
+                        <a:rPr lang="en-US" altLang="zh-TW" sz="6001" i="1">
                           <a:solidFill>
                             <a:srgbClr val="FBF1C7"/>
                           </a:solidFill>
@@ -3179,7 +3232,7 @@
                     </m:oMath>
                   </m:oMathPara>
                 </a14:m>
-                <a:endParaRPr lang="zh-TW" altLang="en-US" sz="6000" dirty="0">
+                <a:endParaRPr lang="zh-TW" altLang="en-US" sz="6001" dirty="0">
                   <a:solidFill>
                     <a:srgbClr val="FBF1C7"/>
                   </a:solidFill>
@@ -3199,8 +3252,8 @@
             </p:nvSpPr>
             <p:spPr>
               <a:xfrm>
-                <a:off x="137160" y="1189736"/>
-                <a:ext cx="10561320" cy="2386487"/>
+                <a:off x="4192740" y="1398080"/>
+                <a:ext cx="13286232" cy="2386872"/>
               </a:xfrm>
               <a:prstGeom prst="rect">
                 <a:avLst/>
@@ -3247,10 +3300,438 @@
 </p:sld>
 </file>
 
+<file path=ppt/slides/slide2.xml><?xml version="1.0" encoding="utf-8"?>
+<p:sld xmlns:a="http://schemas.openxmlformats.org/drawingml/2006/main" xmlns:r="http://schemas.openxmlformats.org/officeDocument/2006/relationships" xmlns:p="http://schemas.openxmlformats.org/presentationml/2006/main">
+  <p:cSld>
+    <p:bg>
+      <p:bgPr>
+        <a:solidFill>
+          <a:srgbClr val="282828"/>
+        </a:solidFill>
+        <a:effectLst/>
+      </p:bgPr>
+    </p:bg>
+    <p:spTree>
+      <p:nvGrpSpPr>
+        <p:cNvPr id="1" name=""/>
+        <p:cNvGrpSpPr/>
+        <p:nvPr/>
+      </p:nvGrpSpPr>
+      <p:grpSpPr>
+        <a:xfrm>
+          <a:off x="0" y="0"/>
+          <a:ext cx="0" cy="0"/>
+          <a:chOff x="0" y="0"/>
+          <a:chExt cx="0" cy="0"/>
+        </a:xfrm>
+      </p:grpSpPr>
+      <mc:AlternateContent xmlns:mc="http://schemas.openxmlformats.org/markup-compatibility/2006">
+        <mc:Choice xmlns:a14="http://schemas.microsoft.com/office/drawing/2010/main" Requires="a14">
+          <p:sp>
+            <p:nvSpPr>
+              <p:cNvPr id="4" name="文字方塊 3"/>
+              <p:cNvSpPr txBox="1"/>
+              <p:nvPr/>
+            </p:nvSpPr>
+            <p:spPr>
+              <a:xfrm>
+                <a:off x="4192740" y="1398080"/>
+                <a:ext cx="4013711" cy="2855397"/>
+              </a:xfrm>
+              <a:prstGeom prst="rect">
+                <a:avLst/>
+              </a:prstGeom>
+              <a:noFill/>
+            </p:spPr>
+            <p:txBody>
+              <a:bodyPr wrap="square" lIns="0" tIns="0" rIns="0" bIns="0" rtlCol="0">
+                <a:spAutoFit/>
+              </a:bodyPr>
+              <a:lstStyle/>
+              <a:p>
+                <a:pPr/>
+                <a14:m>
+                  <m:oMathPara xmlns:m="http://schemas.openxmlformats.org/officeDocument/2006/math">
+                    <m:oMathParaPr>
+                      <m:jc m:val="centerGroup"/>
+                    </m:oMathParaPr>
+                    <m:oMath xmlns:m="http://schemas.openxmlformats.org/officeDocument/2006/math">
+                      <m:r>
+                        <m:rPr>
+                          <m:sty m:val="p"/>
+                        </m:rPr>
+                        <a:rPr lang="en-US" altLang="zh-TW" sz="6001" i="1" smtClean="0">
+                          <a:solidFill>
+                            <a:srgbClr val="FBF1C7"/>
+                          </a:solidFill>
+                          <a:latin typeface="Cambria Math" panose="02040503050406030204" pitchFamily="18" charset="0"/>
+                        </a:rPr>
+                        <m:t>Q</m:t>
+                      </m:r>
+                      <m:r>
+                        <a:rPr lang="en-US" altLang="zh-TW" sz="6001" b="0" i="1" smtClean="0">
+                          <a:solidFill>
+                            <a:srgbClr val="FBF1C7"/>
+                          </a:solidFill>
+                          <a:latin typeface="Cambria Math" panose="02040503050406030204" pitchFamily="18" charset="0"/>
+                        </a:rPr>
+                        <m:t>=</m:t>
+                      </m:r>
+                      <m:sSub>
+                        <m:sSubPr>
+                          <m:ctrlPr>
+                            <a:rPr lang="en-US" altLang="zh-TW" sz="6001" b="0" i="1" smtClean="0">
+                              <a:solidFill>
+                                <a:srgbClr val="FBF1C7"/>
+                              </a:solidFill>
+                              <a:latin typeface="Cambria Math" panose="02040503050406030204" pitchFamily="18" charset="0"/>
+                            </a:rPr>
+                          </m:ctrlPr>
+                        </m:sSubPr>
+                        <m:e>
+                          <m:r>
+                            <a:rPr lang="en-US" altLang="zh-TW" sz="6001" b="0" i="1" smtClean="0">
+                              <a:solidFill>
+                                <a:srgbClr val="FBF1C7"/>
+                              </a:solidFill>
+                              <a:latin typeface="Cambria Math" panose="02040503050406030204" pitchFamily="18" charset="0"/>
+                            </a:rPr>
+                            <m:t>𝑄</m:t>
+                          </m:r>
+                        </m:e>
+                        <m:sub>
+                          <m:r>
+                            <a:rPr lang="en-US" altLang="zh-TW" sz="6001" b="0" i="1" smtClean="0">
+                              <a:solidFill>
+                                <a:srgbClr val="FBF1C7"/>
+                              </a:solidFill>
+                              <a:latin typeface="Cambria Math" panose="02040503050406030204" pitchFamily="18" charset="0"/>
+                            </a:rPr>
+                            <m:t>𝑖𝑛</m:t>
+                          </m:r>
+                        </m:sub>
+                      </m:sSub>
+                      <m:sSup>
+                        <m:sSupPr>
+                          <m:ctrlPr>
+                            <a:rPr lang="en-US" altLang="zh-TW" sz="6001" b="0" i="1" smtClean="0">
+                              <a:solidFill>
+                                <a:srgbClr val="FBF1C7"/>
+                              </a:solidFill>
+                              <a:latin typeface="Cambria Math" panose="02040503050406030204" pitchFamily="18" charset="0"/>
+                            </a:rPr>
+                          </m:ctrlPr>
+                        </m:sSupPr>
+                        <m:e>
+                          <m:r>
+                            <a:rPr lang="en-US" altLang="zh-TW" sz="6001" b="0" i="1" smtClean="0">
+                              <a:solidFill>
+                                <a:srgbClr val="FBF1C7"/>
+                              </a:solidFill>
+                              <a:latin typeface="Cambria Math" panose="02040503050406030204" pitchFamily="18" charset="0"/>
+                            </a:rPr>
+                            <m:t>𝑊</m:t>
+                          </m:r>
+                        </m:e>
+                        <m:sup>
+                          <m:r>
+                            <a:rPr lang="en-US" altLang="zh-TW" sz="6001" b="0" i="1" smtClean="0">
+                              <a:solidFill>
+                                <a:srgbClr val="FBF1C7"/>
+                              </a:solidFill>
+                              <a:latin typeface="Cambria Math" panose="02040503050406030204" pitchFamily="18" charset="0"/>
+                            </a:rPr>
+                            <m:t>𝑄</m:t>
+                          </m:r>
+                        </m:sup>
+                      </m:sSup>
+                    </m:oMath>
+                  </m:oMathPara>
+                </a14:m>
+                <a:endParaRPr lang="en-US" altLang="zh-TW" sz="6001" b="0" dirty="0" smtClean="0">
+                  <a:solidFill>
+                    <a:srgbClr val="FBF1C7"/>
+                  </a:solidFill>
+                </a:endParaRPr>
+              </a:p>
+              <a:p>
+                <a:pPr/>
+                <a14:m>
+                  <m:oMathPara xmlns:m="http://schemas.openxmlformats.org/officeDocument/2006/math">
+                    <m:oMathParaPr>
+                      <m:jc m:val="centerGroup"/>
+                    </m:oMathParaPr>
+                    <m:oMath xmlns:m="http://schemas.openxmlformats.org/officeDocument/2006/math">
+                      <m:r>
+                        <m:rPr>
+                          <m:sty m:val="p"/>
+                        </m:rPr>
+                        <a:rPr lang="en-US" altLang="zh-TW" sz="6001" i="1" smtClean="0">
+                          <a:solidFill>
+                            <a:srgbClr val="FBF1C7"/>
+                          </a:solidFill>
+                          <a:latin typeface="Cambria Math" panose="02040503050406030204" pitchFamily="18" charset="0"/>
+                        </a:rPr>
+                        <m:t>K</m:t>
+                      </m:r>
+                      <m:r>
+                        <a:rPr lang="en-US" altLang="zh-TW" sz="6001" i="1">
+                          <a:solidFill>
+                            <a:srgbClr val="FBF1C7"/>
+                          </a:solidFill>
+                          <a:latin typeface="Cambria Math" panose="02040503050406030204" pitchFamily="18" charset="0"/>
+                        </a:rPr>
+                        <m:t>=</m:t>
+                      </m:r>
+                      <m:sSub>
+                        <m:sSubPr>
+                          <m:ctrlPr>
+                            <a:rPr lang="en-US" altLang="zh-TW" sz="6001" i="1">
+                              <a:solidFill>
+                                <a:srgbClr val="FBF1C7"/>
+                              </a:solidFill>
+                              <a:latin typeface="Cambria Math" panose="02040503050406030204" pitchFamily="18" charset="0"/>
+                            </a:rPr>
+                          </m:ctrlPr>
+                        </m:sSubPr>
+                        <m:e>
+                          <m:r>
+                            <a:rPr lang="en-US" altLang="zh-TW" sz="6001" b="0" i="1" smtClean="0">
+                              <a:solidFill>
+                                <a:srgbClr val="FBF1C7"/>
+                              </a:solidFill>
+                              <a:latin typeface="Cambria Math" panose="02040503050406030204" pitchFamily="18" charset="0"/>
+                            </a:rPr>
+                            <m:t>𝐾</m:t>
+                          </m:r>
+                        </m:e>
+                        <m:sub>
+                          <m:r>
+                            <a:rPr lang="en-US" altLang="zh-TW" sz="6001" i="1">
+                              <a:solidFill>
+                                <a:srgbClr val="FBF1C7"/>
+                              </a:solidFill>
+                              <a:latin typeface="Cambria Math" panose="02040503050406030204" pitchFamily="18" charset="0"/>
+                            </a:rPr>
+                            <m:t>𝑖𝑛</m:t>
+                          </m:r>
+                        </m:sub>
+                      </m:sSub>
+                      <m:sSup>
+                        <m:sSupPr>
+                          <m:ctrlPr>
+                            <a:rPr lang="en-US" altLang="zh-TW" sz="6001" i="1">
+                              <a:solidFill>
+                                <a:srgbClr val="FBF1C7"/>
+                              </a:solidFill>
+                              <a:latin typeface="Cambria Math" panose="02040503050406030204" pitchFamily="18" charset="0"/>
+                            </a:rPr>
+                          </m:ctrlPr>
+                        </m:sSupPr>
+                        <m:e>
+                          <m:r>
+                            <a:rPr lang="en-US" altLang="zh-TW" sz="6001" i="1">
+                              <a:solidFill>
+                                <a:srgbClr val="FBF1C7"/>
+                              </a:solidFill>
+                              <a:latin typeface="Cambria Math" panose="02040503050406030204" pitchFamily="18" charset="0"/>
+                            </a:rPr>
+                            <m:t>𝑊</m:t>
+                          </m:r>
+                        </m:e>
+                        <m:sup>
+                          <m:r>
+                            <a:rPr lang="en-US" altLang="zh-TW" sz="6001" b="0" i="1" smtClean="0">
+                              <a:solidFill>
+                                <a:srgbClr val="FBF1C7"/>
+                              </a:solidFill>
+                              <a:latin typeface="Cambria Math" panose="02040503050406030204" pitchFamily="18" charset="0"/>
+                            </a:rPr>
+                            <m:t>𝐾</m:t>
+                          </m:r>
+                        </m:sup>
+                      </m:sSup>
+                    </m:oMath>
+                  </m:oMathPara>
+                </a14:m>
+                <a:endParaRPr lang="en-US" altLang="zh-TW" sz="6001" dirty="0" smtClean="0">
+                  <a:solidFill>
+                    <a:srgbClr val="FBF1C7"/>
+                  </a:solidFill>
+                </a:endParaRPr>
+              </a:p>
+              <a:p>
+                <a:pPr/>
+                <a14:m>
+                  <m:oMathPara xmlns:m="http://schemas.openxmlformats.org/officeDocument/2006/math">
+                    <m:oMathParaPr>
+                      <m:jc m:val="centerGroup"/>
+                    </m:oMathParaPr>
+                    <m:oMath xmlns:m="http://schemas.openxmlformats.org/officeDocument/2006/math">
+                      <m:r>
+                        <m:rPr>
+                          <m:sty m:val="p"/>
+                        </m:rPr>
+                        <a:rPr lang="en-US" altLang="zh-TW" sz="6001" i="1" smtClean="0">
+                          <a:solidFill>
+                            <a:srgbClr val="FBF1C7"/>
+                          </a:solidFill>
+                          <a:latin typeface="Cambria Math" panose="02040503050406030204" pitchFamily="18" charset="0"/>
+                        </a:rPr>
+                        <m:t>V</m:t>
+                      </m:r>
+                      <m:r>
+                        <a:rPr lang="en-US" altLang="zh-TW" sz="6001" i="1">
+                          <a:solidFill>
+                            <a:srgbClr val="FBF1C7"/>
+                          </a:solidFill>
+                          <a:latin typeface="Cambria Math" panose="02040503050406030204" pitchFamily="18" charset="0"/>
+                        </a:rPr>
+                        <m:t>=</m:t>
+                      </m:r>
+                      <m:sSub>
+                        <m:sSubPr>
+                          <m:ctrlPr>
+                            <a:rPr lang="en-US" altLang="zh-TW" sz="6001" i="1">
+                              <a:solidFill>
+                                <a:srgbClr val="FBF1C7"/>
+                              </a:solidFill>
+                              <a:latin typeface="Cambria Math" panose="02040503050406030204" pitchFamily="18" charset="0"/>
+                            </a:rPr>
+                          </m:ctrlPr>
+                        </m:sSubPr>
+                        <m:e>
+                          <m:r>
+                            <a:rPr lang="en-US" altLang="zh-TW" sz="6001" b="0" i="1" smtClean="0">
+                              <a:solidFill>
+                                <a:srgbClr val="FBF1C7"/>
+                              </a:solidFill>
+                              <a:latin typeface="Cambria Math" panose="02040503050406030204" pitchFamily="18" charset="0"/>
+                            </a:rPr>
+                            <m:t>𝑉</m:t>
+                          </m:r>
+                        </m:e>
+                        <m:sub>
+                          <m:r>
+                            <a:rPr lang="en-US" altLang="zh-TW" sz="6001" i="1">
+                              <a:solidFill>
+                                <a:srgbClr val="FBF1C7"/>
+                              </a:solidFill>
+                              <a:latin typeface="Cambria Math" panose="02040503050406030204" pitchFamily="18" charset="0"/>
+                            </a:rPr>
+                            <m:t>𝑖𝑛</m:t>
+                          </m:r>
+                        </m:sub>
+                      </m:sSub>
+                      <m:sSup>
+                        <m:sSupPr>
+                          <m:ctrlPr>
+                            <a:rPr lang="en-US" altLang="zh-TW" sz="6001" i="1">
+                              <a:solidFill>
+                                <a:srgbClr val="FBF1C7"/>
+                              </a:solidFill>
+                              <a:latin typeface="Cambria Math" panose="02040503050406030204" pitchFamily="18" charset="0"/>
+                            </a:rPr>
+                          </m:ctrlPr>
+                        </m:sSupPr>
+                        <m:e>
+                          <m:r>
+                            <a:rPr lang="en-US" altLang="zh-TW" sz="6001" i="1">
+                              <a:solidFill>
+                                <a:srgbClr val="FBF1C7"/>
+                              </a:solidFill>
+                              <a:latin typeface="Cambria Math" panose="02040503050406030204" pitchFamily="18" charset="0"/>
+                            </a:rPr>
+                            <m:t>𝑊</m:t>
+                          </m:r>
+                        </m:e>
+                        <m:sup>
+                          <m:r>
+                            <a:rPr lang="en-US" altLang="zh-TW" sz="6001" b="0" i="1" smtClean="0">
+                              <a:solidFill>
+                                <a:srgbClr val="FBF1C7"/>
+                              </a:solidFill>
+                              <a:latin typeface="Cambria Math" panose="02040503050406030204" pitchFamily="18" charset="0"/>
+                            </a:rPr>
+                            <m:t>𝑉</m:t>
+                          </m:r>
+                        </m:sup>
+                      </m:sSup>
+                    </m:oMath>
+                  </m:oMathPara>
+                </a14:m>
+                <a:endParaRPr lang="zh-TW" altLang="en-US" sz="6001" dirty="0">
+                  <a:solidFill>
+                    <a:srgbClr val="FBF1C7"/>
+                  </a:solidFill>
+                </a:endParaRPr>
+              </a:p>
+            </p:txBody>
+          </p:sp>
+        </mc:Choice>
+        <mc:Fallback>
+          <p:sp>
+            <p:nvSpPr>
+              <p:cNvPr id="4" name="文字方塊 3"/>
+              <p:cNvSpPr txBox="1">
+                <a:spLocks noRot="1" noChangeAspect="1" noMove="1" noResize="1" noEditPoints="1" noAdjustHandles="1" noChangeArrowheads="1" noChangeShapeType="1" noTextEdit="1"/>
+              </p:cNvSpPr>
+              <p:nvPr/>
+            </p:nvSpPr>
+            <p:spPr>
+              <a:xfrm>
+                <a:off x="4192740" y="1398080"/>
+                <a:ext cx="4013711" cy="2855397"/>
+              </a:xfrm>
+              <a:prstGeom prst="rect">
+                <a:avLst/>
+              </a:prstGeom>
+              <a:blipFill rotWithShape="0">
+                <a:blip r:embed="rId2"/>
+                <a:stretch>
+                  <a:fillRect/>
+                </a:stretch>
+              </a:blipFill>
+            </p:spPr>
+            <p:txBody>
+              <a:bodyPr/>
+              <a:lstStyle/>
+              <a:p>
+                <a:r>
+                  <a:rPr lang="zh-TW" altLang="en-US">
+                    <a:noFill/>
+                  </a:rPr>
+                  <a:t> </a:t>
+                </a:r>
+              </a:p>
+            </p:txBody>
+          </p:sp>
+        </mc:Fallback>
+      </mc:AlternateContent>
+    </p:spTree>
+    <p:extLst>
+      <p:ext uri="{BB962C8B-B14F-4D97-AF65-F5344CB8AC3E}">
+        <p14:creationId xmlns:p14="http://schemas.microsoft.com/office/powerpoint/2010/main" val="3687164076"/>
+      </p:ext>
+    </p:extLst>
+  </p:cSld>
+  <p:clrMapOvr>
+    <a:masterClrMapping/>
+  </p:clrMapOvr>
+  <p:timing>
+    <p:tnLst>
+      <p:par>
+        <p:cTn id="1" dur="indefinite" restart="never" nodeType="tmRoot"/>
+      </p:par>
+    </p:tnLst>
+  </p:timing>
+</p:sld>
+</file>
+
 <file path=ppt/theme/theme1.xml><?xml version="1.0" encoding="utf-8"?>
 <a:theme xmlns:a="http://schemas.openxmlformats.org/drawingml/2006/main" name="Office 佈景主題">
   <a:themeElements>
-    <a:clrScheme name="Office">
+    <a:clrScheme name="Office 佈景主題">
       <a:dk1>
         <a:sysClr val="windowText" lastClr="000000"/>
       </a:dk1>
@@ -3288,7 +3769,7 @@
         <a:srgbClr val="954F72"/>
       </a:folHlink>
     </a:clrScheme>
-    <a:fontScheme name="Office">
+    <a:fontScheme name="Office 佈景主題">
       <a:majorFont>
         <a:latin typeface="Calibri Light" panose="020F0302020204030204"/>
         <a:ea typeface=""/>
@@ -3360,7 +3841,7 @@
         <a:font script="Geor" typeface="Sylfaen"/>
       </a:minorFont>
     </a:fontScheme>
-    <a:fmtScheme name="Office">
+    <a:fmtScheme name="Office 佈景主題">
       <a:fillStyleLst>
         <a:solidFill>
           <a:schemeClr val="phClr"/>
